--- a/ATM_Team.pptx
+++ b/ATM_Team.pptx
@@ -2218,6 +2218,36 @@
           </a:prstGeom>
         </p:spPr>
       </p:pic>
+      <p:pic>
+        <p:nvPicPr>
+          <p:cNvPr id="4" name="Picture 3">
+            <a:extLst>
+              <a:ext uri="{FF2B5EF4-FFF2-40B4-BE49-F238E27FC236}">
+                <a16:creationId xmlns:a16="http://schemas.microsoft.com/office/drawing/2014/main" id="{EF91A537-C635-4FAD-B4D8-E6B11C1C3F88}"/>
+              </a:ext>
+            </a:extLst>
+          </p:cNvPr>
+          <p:cNvPicPr>
+            <a:picLocks noChangeAspect="1"/>
+          </p:cNvPicPr>
+          <p:nvPr/>
+        </p:nvPicPr>
+        <p:blipFill>
+          <a:blip r:embed="rId4"/>
+          <a:stretch>
+            <a:fillRect/>
+          </a:stretch>
+        </p:blipFill>
+        <p:spPr>
+          <a:xfrm>
+            <a:off x="7418165" y="1431617"/>
+            <a:ext cx="3670917" cy="3670917"/>
+          </a:xfrm>
+          <a:prstGeom prst="rect">
+            <a:avLst/>
+          </a:prstGeom>
+        </p:spPr>
+      </p:pic>
     </p:spTree>
     <p:extLst>
       <p:ext uri="{BB962C8B-B14F-4D97-AF65-F5344CB8AC3E}">

--- a/ATM_Team.pptx
+++ b/ATM_Team.pptx
@@ -34,7 +34,7 @@
       <p:boldItalic r:id="rId17"/>
     </p:embeddedFont>
     <p:embeddedFont>
-      <p:font typeface="Noto Sans" panose="020B0502040504020204" pitchFamily="34" charset="0"/>
+      <p:font typeface="Noto Sans" panose="020B0502040204020203" pitchFamily="34" charset="0"/>
       <p:regular r:id="rId18"/>
       <p:bold r:id="rId19"/>
       <p:italic r:id="rId20"/>
@@ -159,7 +159,7 @@
 <file path=ppt/comments/comment1.xml><?xml version="1.0" encoding="utf-8"?>
 <p:cmLst xmlns:a="http://schemas.openxmlformats.org/drawingml/2006/main" xmlns:r="http://schemas.openxmlformats.org/officeDocument/2006/relationships" xmlns:p="http://schemas.openxmlformats.org/presentationml/2006/main">
   <p:cm authorId="1" dt="2022-11-20T10:27:04.488" idx="2">
-    <p:pos x="4902" y="1734"/>
+    <p:pos x="5303" y="1769"/>
     <p:text>If you don't take a good break from time to time you will get burnout.</p:text>
     <p:extLst>
       <p:ext uri="{C676402C-5697-4E1C-873F-D02D1690AC5C}">
@@ -168,7 +168,7 @@
     </p:extLst>
   </p:cm>
   <p:cm authorId="1" dt="2022-11-20T10:28:07.226" idx="3">
-    <p:pos x="6054" y="2238"/>
+    <p:pos x="7130" y="2599"/>
     <p:text>Any corporate programmer and not only should know this.</p:text>
     <p:extLst>
       <p:ext uri="{C676402C-5697-4E1C-873F-D02D1690AC5C}">
@@ -177,7 +177,7 @@
     </p:extLst>
   </p:cm>
   <p:cm authorId="1" dt="2022-11-20T10:28:54.410" idx="4">
-    <p:pos x="4566" y="2772"/>
+    <p:pos x="4696" y="3363"/>
     <p:text>We make sure that you don't work without breaks, and your breaks are refreshing and full of benefits.</p:text>
     <p:extLst>
       <p:ext uri="{C676402C-5697-4E1C-873F-D02D1690AC5C}">
@@ -2130,6 +2130,7 @@
             </a:lvl1pPr>
           </a:lstStyle>
           <a:p>
+            <a:pPr algn="just"/>
             <a:r>
               <a:rPr lang="pt-BR" altLang="ko-KR" sz="2000" b="1" spc="300" dirty="0">
                 <a:solidFill>
@@ -2248,6 +2249,60 @@
           </a:prstGeom>
         </p:spPr>
       </p:pic>
+      <p:sp>
+        <p:nvSpPr>
+          <p:cNvPr id="8" name="TextBox 7">
+            <a:extLst>
+              <a:ext uri="{FF2B5EF4-FFF2-40B4-BE49-F238E27FC236}">
+                <a16:creationId xmlns:a16="http://schemas.microsoft.com/office/drawing/2014/main" id="{494A97D4-FC9F-4ABE-B1DF-A7AA3DFB9BE2}"/>
+              </a:ext>
+            </a:extLst>
+          </p:cNvPr>
+          <p:cNvSpPr txBox="1"/>
+          <p:nvPr/>
+        </p:nvSpPr>
+        <p:spPr>
+          <a:xfrm>
+            <a:off x="8055334" y="898538"/>
+            <a:ext cx="5278476" cy="506292"/>
+          </a:xfrm>
+          <a:prstGeom prst="rect">
+            <a:avLst/>
+          </a:prstGeom>
+          <a:noFill/>
+        </p:spPr>
+        <p:txBody>
+          <a:bodyPr wrap="square" rtlCol="0">
+            <a:spAutoFit/>
+          </a:bodyPr>
+          <a:lstStyle>
+            <a:defPPr>
+              <a:defRPr lang="ko-KR"/>
+            </a:defPPr>
+            <a:lvl1pPr>
+              <a:lnSpc>
+                <a:spcPct val="150000"/>
+              </a:lnSpc>
+              <a:defRPr sz="1400">
+                <a:solidFill>
+                  <a:schemeClr val="accent2"/>
+                </a:solidFill>
+              </a:defRPr>
+            </a:lvl1pPr>
+          </a:lstStyle>
+          <a:p>
+            <a:pPr algn="just"/>
+            <a:r>
+              <a:rPr lang="pt-BR" altLang="ko-KR" sz="2000" b="1" spc="300" dirty="0">
+                <a:solidFill>
+                  <a:schemeClr val="bg1"/>
+                </a:solidFill>
+              </a:rPr>
+              <a:t>Download app:</a:t>
+            </a:r>
+          </a:p>
+        </p:txBody>
+      </p:sp>
     </p:spTree>
     <p:extLst>
       <p:ext uri="{BB962C8B-B14F-4D97-AF65-F5344CB8AC3E}">
@@ -2401,7 +2456,7 @@
         <p:spPr>
           <a:xfrm>
             <a:off x="5861073" y="2665933"/>
-            <a:ext cx="5546474" cy="2875082"/>
+            <a:ext cx="5546474" cy="4549835"/>
           </a:xfrm>
           <a:prstGeom prst="rect">
             <a:avLst/>
@@ -2433,7 +2488,7 @@
               <a:buChar char="ü"/>
             </a:pPr>
             <a:r>
-              <a:rPr lang="en-US" altLang="ko-KR" sz="1800" b="1" dirty="0">
+              <a:rPr lang="en-US" altLang="ko-KR" sz="2800" b="1" dirty="0">
                 <a:solidFill>
                   <a:schemeClr val="tx1"/>
                 </a:solidFill>
@@ -2442,7 +2497,7 @@
             </a:r>
           </a:p>
           <a:p>
-            <a:endParaRPr lang="en-US" altLang="ko-KR" sz="1800" b="1" dirty="0">
+            <a:endParaRPr lang="en-US" altLang="ko-KR" sz="2800" b="1" dirty="0">
               <a:solidFill>
                 <a:schemeClr val="tx1"/>
               </a:solidFill>
@@ -2454,7 +2509,7 @@
               <a:buChar char="ü"/>
             </a:pPr>
             <a:r>
-              <a:rPr lang="en-US" altLang="ko-KR" sz="1800" b="1" dirty="0" err="1">
+              <a:rPr lang="en-US" altLang="ko-KR" sz="2800" b="1" dirty="0" err="1">
                 <a:solidFill>
                   <a:schemeClr val="tx1"/>
                 </a:solidFill>
@@ -2462,7 +2517,7 @@
               <a:t>Aplicable</a:t>
             </a:r>
             <a:r>
-              <a:rPr lang="en-US" altLang="ko-KR" sz="1800" b="1" dirty="0">
+              <a:rPr lang="en-US" altLang="ko-KR" sz="2800" b="1" dirty="0">
                 <a:solidFill>
                   <a:schemeClr val="tx1"/>
                 </a:solidFill>
@@ -2471,7 +2526,7 @@
             </a:r>
           </a:p>
           <a:p>
-            <a:endParaRPr lang="en-US" altLang="ko-KR" sz="1800" b="1" dirty="0">
+            <a:endParaRPr lang="en-US" altLang="ko-KR" sz="2800" b="1" dirty="0">
               <a:solidFill>
                 <a:schemeClr val="tx1"/>
               </a:solidFill>
@@ -2483,7 +2538,7 @@
               <a:buChar char="ü"/>
             </a:pPr>
             <a:r>
-              <a:rPr lang="en-US" altLang="ko-KR" sz="1800" b="1" dirty="0">
+              <a:rPr lang="en-US" altLang="ko-KR" sz="2800" b="1" dirty="0">
                 <a:solidFill>
                   <a:schemeClr val="tx1"/>
                 </a:solidFill>
@@ -2492,7 +2547,7 @@
             </a:r>
           </a:p>
           <a:p>
-            <a:endParaRPr lang="en-US" altLang="ko-KR" sz="1800" b="1" dirty="0">
+            <a:endParaRPr lang="en-US" altLang="ko-KR" sz="2800" b="1" dirty="0">
               <a:solidFill>
                 <a:schemeClr val="tx1"/>
               </a:solidFill>
@@ -2503,7 +2558,7 @@
               <a:buFont typeface="Arial" panose="020B0604020202020204" pitchFamily="34" charset="0"/>
               <a:buChar char="•"/>
             </a:pPr>
-            <a:endParaRPr lang="pt-BR" altLang="ko-KR" b="1" dirty="0">
+            <a:endParaRPr lang="pt-BR" altLang="ko-KR" sz="2800" b="1" dirty="0">
               <a:solidFill>
                 <a:schemeClr val="tx1"/>
               </a:solidFill>
@@ -7629,19 +7684,10 @@
             </a:pPr>
             <a:r>
               <a:rPr lang="en-US" sz="3000" dirty="0"/>
-              <a:t>	A break = a </a:t>
+              <a:t>	Game mechanics</a:t>
             </a:r>
-            <a:r>
-              <a:rPr lang="en-US" sz="3000"/>
-              <a:t>challenge </a:t>
-            </a:r>
-            <a:endParaRPr lang="en-US" sz="3000" dirty="0"/>
           </a:p>
           <a:p>
-            <a:pPr marL="285750" indent="-285750">
-              <a:buFont typeface="Wingdings" panose="05000000000000000000" pitchFamily="2" charset="2"/>
-              <a:buChar char="ü"/>
-            </a:pPr>
             <a:endParaRPr lang="en-US" sz="3000" dirty="0"/>
           </a:p>
           <a:p>
@@ -7651,7 +7697,7 @@
             </a:pPr>
             <a:r>
               <a:rPr lang="en-US" sz="3000" dirty="0"/>
-              <a:t>	Team Challenges</a:t>
+              <a:t>	Team challenges</a:t>
             </a:r>
           </a:p>
           <a:p>
@@ -12741,61 +12787,6 @@
           </a:p>
         </p:txBody>
       </p:sp>
-      <p:sp>
-        <p:nvSpPr>
-          <p:cNvPr id="31" name="텍스트 개체 틀 3">
-            <a:extLst>
-              <a:ext uri="{FF2B5EF4-FFF2-40B4-BE49-F238E27FC236}">
-                <a16:creationId xmlns:a16="http://schemas.microsoft.com/office/drawing/2014/main" id="{26A1C195-65E2-5C48-96D9-E320967A2E21}"/>
-              </a:ext>
-            </a:extLst>
-          </p:cNvPr>
-          <p:cNvSpPr>
-            <a:spLocks noGrp="1"/>
-          </p:cNvSpPr>
-          <p:nvPr>
-            <p:ph type="body" sz="quarter" idx="15"/>
-          </p:nvPr>
-        </p:nvSpPr>
-        <p:spPr/>
-        <p:txBody>
-          <a:bodyPr/>
-          <a:lstStyle/>
-          <a:p>
-            <a:pPr marL="285750" indent="-285750">
-              <a:buFontTx/>
-              <a:buChar char="-"/>
-            </a:pPr>
-            <a:r>
-              <a:rPr lang="en-US" altLang="en-US" sz="2400" dirty="0"/>
-              <a:t>Backend:          , REST </a:t>
-            </a:r>
-            <a:r>
-              <a:rPr lang="en-US" altLang="en-US" sz="2400" dirty="0" err="1"/>
-              <a:t>Api</a:t>
-            </a:r>
-            <a:endParaRPr lang="en-US" altLang="en-US" sz="2400" dirty="0"/>
-          </a:p>
-          <a:p>
-            <a:pPr marL="285750" indent="-285750">
-              <a:buFontTx/>
-              <a:buChar char="-"/>
-            </a:pPr>
-            <a:endParaRPr lang="en-US" altLang="en-US" sz="2400" dirty="0"/>
-          </a:p>
-          <a:p>
-            <a:pPr marL="285750" indent="-285750">
-              <a:buFontTx/>
-              <a:buChar char="-"/>
-            </a:pPr>
-            <a:r>
-              <a:rPr lang="en-US" altLang="en-US" sz="2400" dirty="0"/>
-              <a:t>Frontend: Angular</a:t>
-            </a:r>
-            <a:endParaRPr lang="ko-Kore-KR" altLang="en-US" sz="2400" dirty="0"/>
-          </a:p>
-        </p:txBody>
-      </p:sp>
       <p:pic>
         <p:nvPicPr>
           <p:cNvPr id="16" name="그림 개체 틀 15" descr="실내, 천장, 벽, 바닥이(가) 표시된 사진&#10;&#10;자동 생성된 설명">
@@ -12882,10 +12873,10 @@
       </p:sp>
       <p:pic>
         <p:nvPicPr>
-          <p:cNvPr id="3" name="Picture 2">
+          <p:cNvPr id="5" name="Picture 4">
             <a:extLst>
               <a:ext uri="{FF2B5EF4-FFF2-40B4-BE49-F238E27FC236}">
-                <a16:creationId xmlns:a16="http://schemas.microsoft.com/office/drawing/2014/main" id="{8E9198EC-3509-4F1D-B18D-4E282B15C78D}"/>
+                <a16:creationId xmlns:a16="http://schemas.microsoft.com/office/drawing/2014/main" id="{408FAE4C-A879-4B7A-80E4-89C598C2E752}"/>
               </a:ext>
             </a:extLst>
           </p:cNvPr>
@@ -12902,8 +12893,8 @@
         </p:blipFill>
         <p:spPr>
           <a:xfrm>
-            <a:off x="3377953" y="4007434"/>
-            <a:ext cx="615841" cy="615841"/>
+            <a:off x="4553662" y="2979401"/>
+            <a:ext cx="1451311" cy="1451311"/>
           </a:xfrm>
           <a:prstGeom prst="rect">
             <a:avLst/>
@@ -12912,10 +12903,10 @@
       </p:pic>
       <p:pic>
         <p:nvPicPr>
-          <p:cNvPr id="5" name="Picture 4">
+          <p:cNvPr id="14" name="Picture 13">
             <a:extLst>
               <a:ext uri="{FF2B5EF4-FFF2-40B4-BE49-F238E27FC236}">
-                <a16:creationId xmlns:a16="http://schemas.microsoft.com/office/drawing/2014/main" id="{408FAE4C-A879-4B7A-80E4-89C598C2E752}"/>
+                <a16:creationId xmlns:a16="http://schemas.microsoft.com/office/drawing/2014/main" id="{51C79AB1-CF0F-4C9A-A9B0-EBE3FFF2151B}"/>
               </a:ext>
             </a:extLst>
           </p:cNvPr>
@@ -12932,8 +12923,188 @@
         </p:blipFill>
         <p:spPr>
           <a:xfrm>
-            <a:off x="2249422" y="3026810"/>
-            <a:ext cx="524257" cy="524257"/>
+            <a:off x="6583222" y="2896387"/>
+            <a:ext cx="1584622" cy="1584622"/>
+          </a:xfrm>
+          <a:prstGeom prst="rect">
+            <a:avLst/>
+          </a:prstGeom>
+        </p:spPr>
+      </p:pic>
+      <p:pic>
+        <p:nvPicPr>
+          <p:cNvPr id="17" name="Picture 16">
+            <a:extLst>
+              <a:ext uri="{FF2B5EF4-FFF2-40B4-BE49-F238E27FC236}">
+                <a16:creationId xmlns:a16="http://schemas.microsoft.com/office/drawing/2014/main" id="{C40DC30A-54E8-46D5-A543-49AFAA3CE4FE}"/>
+              </a:ext>
+            </a:extLst>
+          </p:cNvPr>
+          <p:cNvPicPr>
+            <a:picLocks noChangeAspect="1"/>
+          </p:cNvPicPr>
+          <p:nvPr/>
+        </p:nvPicPr>
+        <p:blipFill>
+          <a:blip r:embed="rId5"/>
+          <a:stretch>
+            <a:fillRect/>
+          </a:stretch>
+        </p:blipFill>
+        <p:spPr>
+          <a:xfrm>
+            <a:off x="8235473" y="3953186"/>
+            <a:ext cx="3152965" cy="3152965"/>
+          </a:xfrm>
+          <a:prstGeom prst="rect">
+            <a:avLst/>
+          </a:prstGeom>
+        </p:spPr>
+      </p:pic>
+      <p:pic>
+        <p:nvPicPr>
+          <p:cNvPr id="10" name="Picture 9">
+            <a:extLst>
+              <a:ext uri="{FF2B5EF4-FFF2-40B4-BE49-F238E27FC236}">
+                <a16:creationId xmlns:a16="http://schemas.microsoft.com/office/drawing/2014/main" id="{03A2974E-C933-4884-A8DB-1EB75C3D5D8E}"/>
+              </a:ext>
+            </a:extLst>
+          </p:cNvPr>
+          <p:cNvPicPr>
+            <a:picLocks noChangeAspect="1"/>
+          </p:cNvPicPr>
+          <p:nvPr/>
+        </p:nvPicPr>
+        <p:blipFill>
+          <a:blip r:embed="rId6"/>
+          <a:stretch>
+            <a:fillRect/>
+          </a:stretch>
+        </p:blipFill>
+        <p:spPr>
+          <a:xfrm>
+            <a:off x="395674" y="5187498"/>
+            <a:ext cx="4251960" cy="1040880"/>
+          </a:xfrm>
+          <a:prstGeom prst="rect">
+            <a:avLst/>
+          </a:prstGeom>
+        </p:spPr>
+      </p:pic>
+      <p:pic>
+        <p:nvPicPr>
+          <p:cNvPr id="4" name="Picture 3">
+            <a:extLst>
+              <a:ext uri="{FF2B5EF4-FFF2-40B4-BE49-F238E27FC236}">
+                <a16:creationId xmlns:a16="http://schemas.microsoft.com/office/drawing/2014/main" id="{C42AF8CD-9883-47A3-8353-45FA7297164E}"/>
+              </a:ext>
+            </a:extLst>
+          </p:cNvPr>
+          <p:cNvPicPr>
+            <a:picLocks noChangeAspect="1"/>
+          </p:cNvPicPr>
+          <p:nvPr/>
+        </p:nvPicPr>
+        <p:blipFill>
+          <a:blip r:embed="rId7"/>
+          <a:stretch>
+            <a:fillRect/>
+          </a:stretch>
+        </p:blipFill>
+        <p:spPr>
+          <a:xfrm>
+            <a:off x="2536638" y="2946683"/>
+            <a:ext cx="1484029" cy="1484029"/>
+          </a:xfrm>
+          <a:prstGeom prst="rect">
+            <a:avLst/>
+          </a:prstGeom>
+        </p:spPr>
+      </p:pic>
+      <p:pic>
+        <p:nvPicPr>
+          <p:cNvPr id="3" name="Picture 2">
+            <a:extLst>
+              <a:ext uri="{FF2B5EF4-FFF2-40B4-BE49-F238E27FC236}">
+                <a16:creationId xmlns:a16="http://schemas.microsoft.com/office/drawing/2014/main" id="{8E9198EC-3509-4F1D-B18D-4E282B15C78D}"/>
+              </a:ext>
+            </a:extLst>
+          </p:cNvPr>
+          <p:cNvPicPr>
+            <a:picLocks noChangeAspect="1"/>
+          </p:cNvPicPr>
+          <p:nvPr/>
+        </p:nvPicPr>
+        <p:blipFill>
+          <a:blip r:embed="rId8"/>
+          <a:stretch>
+            <a:fillRect/>
+          </a:stretch>
+        </p:blipFill>
+        <p:spPr>
+          <a:xfrm>
+            <a:off x="411077" y="2733266"/>
+            <a:ext cx="1874944" cy="1874944"/>
+          </a:xfrm>
+          <a:prstGeom prst="rect">
+            <a:avLst/>
+          </a:prstGeom>
+        </p:spPr>
+      </p:pic>
+      <p:pic>
+        <p:nvPicPr>
+          <p:cNvPr id="19" name="Picture 18">
+            <a:extLst>
+              <a:ext uri="{FF2B5EF4-FFF2-40B4-BE49-F238E27FC236}">
+                <a16:creationId xmlns:a16="http://schemas.microsoft.com/office/drawing/2014/main" id="{7970D2B2-129C-4FB9-80FE-D615576BFBBB}"/>
+              </a:ext>
+            </a:extLst>
+          </p:cNvPr>
+          <p:cNvPicPr>
+            <a:picLocks noChangeAspect="1"/>
+          </p:cNvPicPr>
+          <p:nvPr/>
+        </p:nvPicPr>
+        <p:blipFill>
+          <a:blip r:embed="rId9"/>
+          <a:stretch>
+            <a:fillRect/>
+          </a:stretch>
+        </p:blipFill>
+        <p:spPr>
+          <a:xfrm>
+            <a:off x="8757900" y="2521663"/>
+            <a:ext cx="2476500" cy="2476500"/>
+          </a:xfrm>
+          <a:prstGeom prst="rect">
+            <a:avLst/>
+          </a:prstGeom>
+        </p:spPr>
+      </p:pic>
+      <p:pic>
+        <p:nvPicPr>
+          <p:cNvPr id="21" name="Picture 20">
+            <a:extLst>
+              <a:ext uri="{FF2B5EF4-FFF2-40B4-BE49-F238E27FC236}">
+                <a16:creationId xmlns:a16="http://schemas.microsoft.com/office/drawing/2014/main" id="{958DCD2A-1565-4539-8675-370C86E8DC9B}"/>
+              </a:ext>
+            </a:extLst>
+          </p:cNvPr>
+          <p:cNvPicPr>
+            <a:picLocks noChangeAspect="1"/>
+          </p:cNvPicPr>
+          <p:nvPr/>
+        </p:nvPicPr>
+        <p:blipFill>
+          <a:blip r:embed="rId10"/>
+          <a:stretch>
+            <a:fillRect/>
+          </a:stretch>
+        </p:blipFill>
+        <p:spPr>
+          <a:xfrm>
+            <a:off x="5025475" y="4637715"/>
+            <a:ext cx="2832156" cy="1590664"/>
           </a:xfrm>
           <a:prstGeom prst="rect">
             <a:avLst/>

--- a/ATM_Team.pptx
+++ b/ATM_Team.pptx
@@ -34,7 +34,7 @@
       <p:boldItalic r:id="rId17"/>
     </p:embeddedFont>
     <p:embeddedFont>
-      <p:font typeface="Noto Sans" panose="020B0502040204020203" pitchFamily="34" charset="0"/>
+      <p:font typeface="Noto Sans" panose="020B0502040504020204" pitchFamily="34" charset="0"/>
       <p:regular r:id="rId18"/>
       <p:bold r:id="rId19"/>
       <p:italic r:id="rId20"/>
@@ -191,7 +191,7 @@
 <file path=ppt/comments/comment2.xml><?xml version="1.0" encoding="utf-8"?>
 <p:cmLst xmlns:a="http://schemas.openxmlformats.org/drawingml/2006/main" xmlns:r="http://schemas.openxmlformats.org/officeDocument/2006/relationships" xmlns:p="http://schemas.openxmlformats.org/presentationml/2006/main">
   <p:cm authorId="1" dt="2022-11-20T11:16:30.608" idx="5">
-    <p:pos x="2711" y="2227"/>
+    <p:pos x="2653" y="2227"/>
     <p:text>After working periods of time, each user receives a notification that they must take a break.</p:text>
     <p:extLst>
       <p:ext uri="{C676402C-5697-4E1C-873F-D02D1690AC5C}">
@@ -200,7 +200,7 @@
     </p:extLst>
   </p:cm>
   <p:cm authorId="1" dt="2022-11-20T11:16:44.946" idx="6">
-    <p:pos x="3226" y="2826"/>
+    <p:pos x="2830" y="2810"/>
     <p:text>Each break is also represented by a small challenge, which, if fulfilled, brings the player points that he can use in time.</p:text>
     <p:extLst>
       <p:ext uri="{C676402C-5697-4E1C-873F-D02D1690AC5C}">
@@ -2048,7 +2048,7 @@
         </p:nvSpPr>
         <p:spPr>
           <a:xfrm>
-            <a:off x="0" y="0"/>
+            <a:off x="9236" y="-110836"/>
             <a:ext cx="12191998" cy="6858000"/>
           </a:xfrm>
           <a:prstGeom prst="rect">
@@ -2241,7 +2241,7 @@
         </p:blipFill>
         <p:spPr>
           <a:xfrm>
-            <a:off x="7418165" y="1431617"/>
+            <a:off x="7418165" y="1732826"/>
             <a:ext cx="3670917" cy="3670917"/>
           </a:xfrm>
           <a:prstGeom prst="rect">
@@ -7059,6 +7059,36 @@
           </p:txBody>
         </p:sp>
       </p:grpSp>
+      <p:pic>
+        <p:nvPicPr>
+          <p:cNvPr id="25" name="Picture 24">
+            <a:extLst>
+              <a:ext uri="{FF2B5EF4-FFF2-40B4-BE49-F238E27FC236}">
+                <a16:creationId xmlns:a16="http://schemas.microsoft.com/office/drawing/2014/main" id="{163B5065-C2FC-46B3-8DC7-E503E41843CF}"/>
+              </a:ext>
+            </a:extLst>
+          </p:cNvPr>
+          <p:cNvPicPr>
+            <a:picLocks noChangeAspect="1"/>
+          </p:cNvPicPr>
+          <p:nvPr/>
+        </p:nvPicPr>
+        <p:blipFill>
+          <a:blip r:embed="rId3"/>
+          <a:stretch>
+            <a:fillRect/>
+          </a:stretch>
+        </p:blipFill>
+        <p:spPr>
+          <a:xfrm>
+            <a:off x="10975196" y="5712398"/>
+            <a:ext cx="1061857" cy="1061857"/>
+          </a:xfrm>
+          <a:prstGeom prst="rect">
+            <a:avLst/>
+          </a:prstGeom>
+        </p:spPr>
+      </p:pic>
     </p:spTree>
     <p:extLst>
       <p:ext uri="{BB962C8B-B14F-4D97-AF65-F5344CB8AC3E}">
@@ -7186,6 +7216,36 @@
               <a:srgbClr val="C0C0C0"/>
             </a:contourClr>
           </a:sp3d>
+        </p:spPr>
+      </p:pic>
+      <p:pic>
+        <p:nvPicPr>
+          <p:cNvPr id="4" name="Picture 3">
+            <a:extLst>
+              <a:ext uri="{FF2B5EF4-FFF2-40B4-BE49-F238E27FC236}">
+                <a16:creationId xmlns:a16="http://schemas.microsoft.com/office/drawing/2014/main" id="{54BBBD05-6E27-4E4C-A867-B77B268365B8}"/>
+              </a:ext>
+            </a:extLst>
+          </p:cNvPr>
+          <p:cNvPicPr>
+            <a:picLocks noChangeAspect="1"/>
+          </p:cNvPicPr>
+          <p:nvPr/>
+        </p:nvPicPr>
+        <p:blipFill>
+          <a:blip r:embed="rId4"/>
+          <a:stretch>
+            <a:fillRect/>
+          </a:stretch>
+        </p:blipFill>
+        <p:spPr>
+          <a:xfrm>
+            <a:off x="10975196" y="5712398"/>
+            <a:ext cx="1061857" cy="1061857"/>
+          </a:xfrm>
+          <a:prstGeom prst="rect">
+            <a:avLst/>
+          </a:prstGeom>
         </p:spPr>
       </p:pic>
     </p:spTree>
@@ -7322,6 +7382,36 @@
           <a:xfrm>
             <a:off x="316992" y="790956"/>
             <a:ext cx="3725284" cy="2638044"/>
+          </a:xfrm>
+          <a:prstGeom prst="rect">
+            <a:avLst/>
+          </a:prstGeom>
+        </p:spPr>
+      </p:pic>
+      <p:pic>
+        <p:nvPicPr>
+          <p:cNvPr id="5" name="Picture 4">
+            <a:extLst>
+              <a:ext uri="{FF2B5EF4-FFF2-40B4-BE49-F238E27FC236}">
+                <a16:creationId xmlns:a16="http://schemas.microsoft.com/office/drawing/2014/main" id="{0DB27CE6-EF87-4F23-88C4-40812C26E5FD}"/>
+              </a:ext>
+            </a:extLst>
+          </p:cNvPr>
+          <p:cNvPicPr>
+            <a:picLocks noChangeAspect="1"/>
+          </p:cNvPicPr>
+          <p:nvPr/>
+        </p:nvPicPr>
+        <p:blipFill>
+          <a:blip r:embed="rId5"/>
+          <a:stretch>
+            <a:fillRect/>
+          </a:stretch>
+        </p:blipFill>
+        <p:spPr>
+          <a:xfrm>
+            <a:off x="10975196" y="5712398"/>
+            <a:ext cx="1061857" cy="1061857"/>
           </a:xfrm>
           <a:prstGeom prst="rect">
             <a:avLst/>
@@ -7632,7 +7722,7 @@
         <p:spPr>
           <a:xfrm>
             <a:off x="1191799" y="2603972"/>
-            <a:ext cx="6196472" cy="4739759"/>
+            <a:ext cx="6196472" cy="4431983"/>
           </a:xfrm>
           <a:prstGeom prst="rect">
             <a:avLst/>
@@ -7705,77 +7795,6 @@
           </a:p>
           <a:p>
             <a:endParaRPr lang="en-US" dirty="0"/>
-          </a:p>
-          <a:p>
-            <a:pPr marL="285750" indent="-285750">
-              <a:buFont typeface="Wingdings" panose="05000000000000000000" pitchFamily="2" charset="2"/>
-              <a:buChar char="v"/>
-            </a:pPr>
-            <a:r>
-              <a:rPr lang="en-US" sz="2000" b="1" dirty="0">
-                <a:solidFill>
-                  <a:srgbClr val="0070C0"/>
-                </a:solidFill>
-                <a:hlinkClick r:id="rId3">
-                  <a:extLst>
-                    <a:ext uri="{A12FA001-AC4F-418D-AE19-62706E023703}">
-                      <ahyp:hlinkClr xmlns:ahyp="http://schemas.microsoft.com/office/drawing/2018/hyperlinkcolor" val="tx"/>
-                    </a:ext>
-                  </a:extLst>
-                </a:hlinkClick>
-              </a:rPr>
-              <a:t>https://</a:t>
-            </a:r>
-            <a:r>
-              <a:rPr lang="en-US" sz="2000" b="1" dirty="0" err="1">
-                <a:solidFill>
-                  <a:srgbClr val="0070C0"/>
-                </a:solidFill>
-                <a:hlinkClick r:id="rId3">
-                  <a:extLst>
-                    <a:ext uri="{A12FA001-AC4F-418D-AE19-62706E023703}">
-                      <ahyp:hlinkClr xmlns:ahyp="http://schemas.microsoft.com/office/drawing/2018/hyperlinkcolor" val="tx"/>
-                    </a:ext>
-                  </a:extLst>
-                </a:hlinkClick>
-              </a:rPr>
-              <a:t>youtu.be</a:t>
-            </a:r>
-            <a:r>
-              <a:rPr lang="en-US" sz="2000" b="1" dirty="0">
-                <a:solidFill>
-                  <a:srgbClr val="0070C0"/>
-                </a:solidFill>
-                <a:hlinkClick r:id="rId3">
-                  <a:extLst>
-                    <a:ext uri="{A12FA001-AC4F-418D-AE19-62706E023703}">
-                      <ahyp:hlinkClr xmlns:ahyp="http://schemas.microsoft.com/office/drawing/2018/hyperlinkcolor" val="tx"/>
-                    </a:ext>
-                  </a:extLst>
-                </a:hlinkClick>
-              </a:rPr>
-              <a:t>/</a:t>
-            </a:r>
-            <a:r>
-              <a:rPr lang="en-US" sz="2000" b="1" dirty="0" err="1">
-                <a:solidFill>
-                  <a:srgbClr val="0070C0"/>
-                </a:solidFill>
-                <a:hlinkClick r:id="rId3">
-                  <a:extLst>
-                    <a:ext uri="{A12FA001-AC4F-418D-AE19-62706E023703}">
-                      <ahyp:hlinkClr xmlns:ahyp="http://schemas.microsoft.com/office/drawing/2018/hyperlinkcolor" val="tx"/>
-                    </a:ext>
-                  </a:extLst>
-                </a:hlinkClick>
-              </a:rPr>
-              <a:t>UJiwIxTTaYM</a:t>
-            </a:r>
-            <a:endParaRPr lang="en-US" sz="2000" b="1" dirty="0">
-              <a:solidFill>
-                <a:srgbClr val="0070C0"/>
-              </a:solidFill>
-            </a:endParaRPr>
           </a:p>
           <a:p>
             <a:endParaRPr lang="en-US" dirty="0"/>
@@ -12668,6 +12687,36 @@
           </p:txBody>
         </p:sp>
       </p:grpSp>
+      <p:pic>
+        <p:nvPicPr>
+          <p:cNvPr id="32" name="Picture 31">
+            <a:extLst>
+              <a:ext uri="{FF2B5EF4-FFF2-40B4-BE49-F238E27FC236}">
+                <a16:creationId xmlns:a16="http://schemas.microsoft.com/office/drawing/2014/main" id="{C51D1B86-6DDC-42B3-A07D-246D5B1A34C1}"/>
+              </a:ext>
+            </a:extLst>
+          </p:cNvPr>
+          <p:cNvPicPr>
+            <a:picLocks noChangeAspect="1"/>
+          </p:cNvPicPr>
+          <p:nvPr/>
+        </p:nvPicPr>
+        <p:blipFill>
+          <a:blip r:embed="rId3"/>
+          <a:stretch>
+            <a:fillRect/>
+          </a:stretch>
+        </p:blipFill>
+        <p:spPr>
+          <a:xfrm>
+            <a:off x="10975196" y="5712398"/>
+            <a:ext cx="1061857" cy="1061857"/>
+          </a:xfrm>
+          <a:prstGeom prst="rect">
+            <a:avLst/>
+          </a:prstGeom>
+        </p:spPr>
+      </p:pic>
     </p:spTree>
     <p:extLst>
       <p:ext uri="{BB962C8B-B14F-4D97-AF65-F5344CB8AC3E}">
@@ -13396,6 +13445,36 @@
           </a:p>
         </p:txBody>
       </p:sp>
+      <p:pic>
+        <p:nvPicPr>
+          <p:cNvPr id="11" name="Picture 10">
+            <a:extLst>
+              <a:ext uri="{FF2B5EF4-FFF2-40B4-BE49-F238E27FC236}">
+                <a16:creationId xmlns:a16="http://schemas.microsoft.com/office/drawing/2014/main" id="{CD2531E2-C09D-496E-A259-DE6F2DAE2C46}"/>
+              </a:ext>
+            </a:extLst>
+          </p:cNvPr>
+          <p:cNvPicPr>
+            <a:picLocks noChangeAspect="1"/>
+          </p:cNvPicPr>
+          <p:nvPr/>
+        </p:nvPicPr>
+        <p:blipFill>
+          <a:blip r:embed="rId3"/>
+          <a:stretch>
+            <a:fillRect/>
+          </a:stretch>
+        </p:blipFill>
+        <p:spPr>
+          <a:xfrm>
+            <a:off x="10975196" y="5712398"/>
+            <a:ext cx="1061857" cy="1061857"/>
+          </a:xfrm>
+          <a:prstGeom prst="rect">
+            <a:avLst/>
+          </a:prstGeom>
+        </p:spPr>
+      </p:pic>
     </p:spTree>
     <p:extLst>
       <p:ext uri="{BB962C8B-B14F-4D97-AF65-F5344CB8AC3E}">
